--- a/מצגות/L11.pptx
+++ b/מצגות/L11.pptx
@@ -146,8 +146,8 @@
 <pc:chgInfo xmlns:a="http://schemas.openxmlformats.org/drawingml/2006/main" xmlns:r="http://schemas.openxmlformats.org/officeDocument/2006/relationships" xmlns:ac="http://schemas.microsoft.com/office/drawing/2013/main/command" xmlns:pc="http://schemas.microsoft.com/office/powerpoint/2013/main/command">
   <pc:docChgLst>
     <pc:chgData name="אלכס גורבצ'וב" userId="8459a7c7-b354-45d8-a56f-77640536e27f" providerId="ADAL" clId="{BA869475-E633-4A18-BA9C-8089447CF38E}"/>
-    <pc:docChg chg="undo custSel addSld delSld modSld">
-      <pc:chgData name="אלכס גורבצ'וב" userId="8459a7c7-b354-45d8-a56f-77640536e27f" providerId="ADAL" clId="{BA869475-E633-4A18-BA9C-8089447CF38E}" dt="2022-05-23T13:47:00.182" v="507" actId="108"/>
+    <pc:docChg chg="undo redo custSel addSld delSld modSld">
+      <pc:chgData name="אלכס גורבצ'וב" userId="8459a7c7-b354-45d8-a56f-77640536e27f" providerId="ADAL" clId="{BA869475-E633-4A18-BA9C-8089447CF38E}" dt="2022-05-25T11:28:00.763" v="528" actId="20577"/>
       <pc:docMkLst>
         <pc:docMk/>
       </pc:docMkLst>
@@ -183,7 +183,7 @@
         </pc:picChg>
       </pc:sldChg>
       <pc:sldChg chg="addSp delSp modSp mod">
-        <pc:chgData name="אלכס גורבצ'וב" userId="8459a7c7-b354-45d8-a56f-77640536e27f" providerId="ADAL" clId="{BA869475-E633-4A18-BA9C-8089447CF38E}" dt="2022-05-23T13:47:00.182" v="507" actId="108"/>
+        <pc:chgData name="אלכס גורבצ'וב" userId="8459a7c7-b354-45d8-a56f-77640536e27f" providerId="ADAL" clId="{BA869475-E633-4A18-BA9C-8089447CF38E}" dt="2022-05-25T11:28:00.763" v="528" actId="20577"/>
         <pc:sldMkLst>
           <pc:docMk/>
           <pc:sldMk cId="3510496719" sldId="423"/>
@@ -194,6 +194,14 @@
             <pc:docMk/>
             <pc:sldMk cId="3510496719" sldId="423"/>
             <ac:spMk id="2" creationId="{02DC699F-5B8C-D596-2C0C-E4CD9280BC73}"/>
+          </ac:spMkLst>
+        </pc:spChg>
+        <pc:spChg chg="mod">
+          <ac:chgData name="אלכס גורבצ'וב" userId="8459a7c7-b354-45d8-a56f-77640536e27f" providerId="ADAL" clId="{BA869475-E633-4A18-BA9C-8089447CF38E}" dt="2022-05-25T11:28:00.763" v="528" actId="20577"/>
+          <ac:spMkLst>
+            <pc:docMk/>
+            <pc:sldMk cId="3510496719" sldId="423"/>
+            <ac:spMk id="3" creationId="{12B178B4-CDED-454C-BED2-2E2B10ADA703}"/>
           </ac:spMkLst>
         </pc:spChg>
         <pc:spChg chg="add del mod">
@@ -292,8 +300,8 @@
           <pc:sldMk cId="1158171607" sldId="424"/>
         </pc:sldMkLst>
       </pc:sldChg>
-      <pc:sldChg chg="modSp add mod">
-        <pc:chgData name="אלכס גורבצ'וב" userId="8459a7c7-b354-45d8-a56f-77640536e27f" providerId="ADAL" clId="{BA869475-E633-4A18-BA9C-8089447CF38E}" dt="2022-05-23T13:18:20.985" v="371" actId="20577"/>
+      <pc:sldChg chg="modSp add del mod">
+        <pc:chgData name="אלכס גורבצ'וב" userId="8459a7c7-b354-45d8-a56f-77640536e27f" providerId="ADAL" clId="{BA869475-E633-4A18-BA9C-8089447CF38E}" dt="2022-05-25T11:28:00.529" v="527" actId="47"/>
         <pc:sldMkLst>
           <pc:docMk/>
           <pc:sldMk cId="3062235928" sldId="424"/>
@@ -307,8 +315,8 @@
           </ac:spMkLst>
         </pc:spChg>
       </pc:sldChg>
-      <pc:sldChg chg="add">
-        <pc:chgData name="אלכס גורבצ'וב" userId="8459a7c7-b354-45d8-a56f-77640536e27f" providerId="ADAL" clId="{BA869475-E633-4A18-BA9C-8089447CF38E}" dt="2022-05-23T13:11:21.756" v="80" actId="2890"/>
+      <pc:sldChg chg="add del">
+        <pc:chgData name="אלכס גורבצ'וב" userId="8459a7c7-b354-45d8-a56f-77640536e27f" providerId="ADAL" clId="{BA869475-E633-4A18-BA9C-8089447CF38E}" dt="2022-05-25T11:28:00.529" v="527" actId="47"/>
         <pc:sldMkLst>
           <pc:docMk/>
           <pc:sldMk cId="3101368343" sldId="425"/>
@@ -413,7 +421,7 @@
           <a:p>
             <a:fld id="{DE773F5E-F60B-3D42-A6DD-6D5611C2F6EE}" type="datetimeFigureOut">
               <a:rPr lang="en-US" smtClean="0"/>
-              <a:t>5/23/2022</a:t>
+              <a:t>5/25/2022</a:t>
             </a:fld>
             <a:endParaRPr lang="en-US" dirty="0"/>
           </a:p>
@@ -3302,7 +3310,7 @@
           <a:p>
             <a:fld id="{8F9F391E-143D-F948-ADAE-29AEA3C1EBFB}" type="datetimeFigureOut">
               <a:rPr lang="en-US" smtClean="0"/>
-              <a:t>5/23/2022</a:t>
+              <a:t>5/25/2022</a:t>
             </a:fld>
             <a:endParaRPr lang="en-US" dirty="0"/>
           </a:p>
@@ -3922,7 +3930,7 @@
           <a:p>
             <a:fld id="{8F9F391E-143D-F948-ADAE-29AEA3C1EBFB}" type="datetimeFigureOut">
               <a:rPr lang="en-US" smtClean="0"/>
-              <a:t>5/23/2022</a:t>
+              <a:t>5/25/2022</a:t>
             </a:fld>
             <a:endParaRPr lang="en-US" dirty="0"/>
           </a:p>
@@ -4875,7 +4883,7 @@
           <a:p>
             <a:fld id="{8F9F391E-143D-F948-ADAE-29AEA3C1EBFB}" type="datetimeFigureOut">
               <a:rPr lang="en-US" smtClean="0"/>
-              <a:t>5/23/2022</a:t>
+              <a:t>5/25/2022</a:t>
             </a:fld>
             <a:endParaRPr lang="en-US" dirty="0"/>
           </a:p>
@@ -5582,7 +5590,7 @@
           <a:p>
             <a:fld id="{8F9F391E-143D-F948-ADAE-29AEA3C1EBFB}" type="datetimeFigureOut">
               <a:rPr lang="en-US" smtClean="0"/>
-              <a:t>5/23/2022</a:t>
+              <a:t>5/25/2022</a:t>
             </a:fld>
             <a:endParaRPr lang="en-US" dirty="0"/>
           </a:p>
@@ -6947,7 +6955,7 @@
           <a:p>
             <a:fld id="{8F9F391E-143D-F948-ADAE-29AEA3C1EBFB}" type="datetimeFigureOut">
               <a:rPr lang="en-US" smtClean="0"/>
-              <a:t>5/23/2022</a:t>
+              <a:t>5/25/2022</a:t>
             </a:fld>
             <a:endParaRPr lang="en-US" dirty="0"/>
           </a:p>
@@ -7348,7 +7356,7 @@
           <a:p>
             <a:fld id="{8F9F391E-143D-F948-ADAE-29AEA3C1EBFB}" type="datetimeFigureOut">
               <a:rPr lang="en-US" smtClean="0"/>
-              <a:t>5/23/2022</a:t>
+              <a:t>5/25/2022</a:t>
             </a:fld>
             <a:endParaRPr lang="en-US" dirty="0"/>
           </a:p>
@@ -7801,7 +7809,7 @@
           <a:p>
             <a:fld id="{8F9F391E-143D-F948-ADAE-29AEA3C1EBFB}" type="datetimeFigureOut">
               <a:rPr lang="en-US" smtClean="0"/>
-              <a:t>5/23/2022</a:t>
+              <a:t>5/25/2022</a:t>
             </a:fld>
             <a:endParaRPr lang="en-US" dirty="0"/>
           </a:p>
@@ -8215,7 +8223,7 @@
           <a:p>
             <a:fld id="{8F9F391E-143D-F948-ADAE-29AEA3C1EBFB}" type="datetimeFigureOut">
               <a:rPr lang="en-US" smtClean="0"/>
-              <a:t>5/23/2022</a:t>
+              <a:t>5/25/2022</a:t>
             </a:fld>
             <a:endParaRPr lang="en-US" dirty="0"/>
           </a:p>
@@ -10246,7 +10254,7 @@
           <a:p>
             <a:fld id="{8F9F391E-143D-F948-ADAE-29AEA3C1EBFB}" type="datetimeFigureOut">
               <a:rPr lang="en-US" smtClean="0"/>
-              <a:t>5/23/2022</a:t>
+              <a:t>5/25/2022</a:t>
             </a:fld>
             <a:endParaRPr lang="en-US" dirty="0"/>
           </a:p>
@@ -12102,7 +12110,7 @@
           <a:p>
             <a:fld id="{8F9F391E-143D-F948-ADAE-29AEA3C1EBFB}" type="datetimeFigureOut">
               <a:rPr lang="en-US" smtClean="0"/>
-              <a:t>5/23/2022</a:t>
+              <a:t>5/25/2022</a:t>
             </a:fld>
             <a:endParaRPr lang="en-US" dirty="0"/>
           </a:p>
@@ -14064,7 +14072,7 @@
             <a:fld id="{8F9F391E-143D-F948-ADAE-29AEA3C1EBFB}" type="datetimeFigureOut">
               <a:rPr lang="en-US" smtClean="0"/>
               <a:pPr/>
-              <a:t>5/23/2022</a:t>
+              <a:t>5/25/2022</a:t>
             </a:fld>
             <a:endParaRPr lang="en-US" dirty="0"/>
           </a:p>
@@ -15756,7 +15764,7 @@
             <a:fld id="{8F9F391E-143D-F948-ADAE-29AEA3C1EBFB}" type="datetimeFigureOut">
               <a:rPr lang="en-US" smtClean="0"/>
               <a:pPr/>
-              <a:t>5/23/2022</a:t>
+              <a:t>5/25/2022</a:t>
             </a:fld>
             <a:endParaRPr lang="en-US" dirty="0"/>
           </a:p>
@@ -17734,7 +17742,7 @@
           <a:p>
             <a:fld id="{8F9F391E-143D-F948-ADAE-29AEA3C1EBFB}" type="datetimeFigureOut">
               <a:rPr lang="en-US" smtClean="0"/>
-              <a:t>5/23/2022</a:t>
+              <a:t>5/25/2022</a:t>
             </a:fld>
             <a:endParaRPr lang="en-US" dirty="0"/>
           </a:p>
@@ -18093,7 +18101,7 @@
           <a:p>
             <a:fld id="{8F9F391E-143D-F948-ADAE-29AEA3C1EBFB}" type="datetimeFigureOut">
               <a:rPr lang="en-US" smtClean="0"/>
-              <a:t>5/23/2022</a:t>
+              <a:t>5/25/2022</a:t>
             </a:fld>
             <a:endParaRPr lang="en-US" dirty="0"/>
           </a:p>
@@ -18452,7 +18460,7 @@
           <a:p>
             <a:fld id="{8F9F391E-143D-F948-ADAE-29AEA3C1EBFB}" type="datetimeFigureOut">
               <a:rPr lang="en-US" smtClean="0"/>
-              <a:t>5/23/2022</a:t>
+              <a:t>5/25/2022</a:t>
             </a:fld>
             <a:endParaRPr lang="en-US" dirty="0"/>
           </a:p>
@@ -18901,7 +18909,7 @@
           <a:p>
             <a:fld id="{8F9F391E-143D-F948-ADAE-29AEA3C1EBFB}" type="datetimeFigureOut">
               <a:rPr lang="en-US" smtClean="0"/>
-              <a:t>5/23/2022</a:t>
+              <a:t>5/25/2022</a:t>
             </a:fld>
             <a:endParaRPr lang="en-US" dirty="0"/>
           </a:p>
@@ -19360,7 +19368,7 @@
           <a:p>
             <a:fld id="{8F9F391E-143D-F948-ADAE-29AEA3C1EBFB}" type="datetimeFigureOut">
               <a:rPr lang="en-US" smtClean="0"/>
-              <a:t>5/23/2022</a:t>
+              <a:t>5/25/2022</a:t>
             </a:fld>
             <a:endParaRPr lang="en-US" dirty="0"/>
           </a:p>
@@ -19860,7 +19868,7 @@
           <a:p>
             <a:fld id="{F5356824-A55C-4F44-B9CB-109B027241D7}" type="datetimeFigureOut">
               <a:rPr lang="en-US" smtClean="0"/>
-              <a:t>5/23/2022</a:t>
+              <a:t>5/25/2022</a:t>
             </a:fld>
             <a:endParaRPr lang="en-US" dirty="0"/>
           </a:p>
